--- a/Project 3/Sumeet_Ye_Project_3.pptx
+++ b/Project 3/Sumeet_Ye_Project_3.pptx
@@ -23,32 +23,32 @@
   <p:notesSz cx="6858000" cy="9144000"/>
   <p:embeddedFontLst>
     <p:embeddedFont>
-      <p:font typeface="Calibri" panose="020F0502020204030204" pitchFamily="34" charset="0"/>
+      <p:font typeface="等线" panose="02010600030101010101" pitchFamily="2" charset="-122"/>
       <p:regular r:id="rId13"/>
       <p:bold r:id="rId14"/>
-      <p:italic r:id="rId15"/>
-      <p:boldItalic r:id="rId16"/>
+    </p:embeddedFont>
+    <p:embeddedFont>
+      <p:font typeface="Calibri" panose="020F0502020204030204" pitchFamily="34" charset="0"/>
+      <p:regular r:id="rId15"/>
+      <p:bold r:id="rId16"/>
+      <p:italic r:id="rId17"/>
+      <p:boldItalic r:id="rId18"/>
     </p:embeddedFont>
     <p:embeddedFont>
       <p:font typeface="Calibri Light" panose="020F0302020204030204" pitchFamily="34" charset="0"/>
-      <p:regular r:id="rId17"/>
-      <p:italic r:id="rId18"/>
+      <p:regular r:id="rId19"/>
+      <p:italic r:id="rId20"/>
     </p:embeddedFont>
     <p:embeddedFont>
       <p:font typeface="Cambria Math" panose="02040503050406030204" pitchFamily="18" charset="0"/>
-      <p:regular r:id="rId19"/>
+      <p:regular r:id="rId21"/>
     </p:embeddedFont>
     <p:embeddedFont>
       <p:font typeface="Crimson Pro" pitchFamily="2" charset="0"/>
-      <p:regular r:id="rId20"/>
-      <p:bold r:id="rId21"/>
-      <p:italic r:id="rId22"/>
-      <p:boldItalic r:id="rId23"/>
-    </p:embeddedFont>
-    <p:embeddedFont>
-      <p:font typeface="DengXian" panose="02010600030101010101" pitchFamily="2" charset="-122"/>
-      <p:regular r:id="rId24"/>
-      <p:bold r:id="rId25"/>
+      <p:regular r:id="rId22"/>
+      <p:bold r:id="rId23"/>
+      <p:italic r:id="rId24"/>
+      <p:boldItalic r:id="rId25"/>
     </p:embeddedFont>
   </p:embeddedFontLst>
   <p:defaultTextStyle>
@@ -289,7 +289,7 @@
           <a:p>
             <a:fld id="{C638F82B-80DE-4D05-B7E6-D820D4DCE8FF}" type="datetimeFigureOut">
               <a:rPr lang="zh-CN" altLang="en-US" smtClean="0"/>
-              <a:t>2023/11/7</a:t>
+              <a:t>2023/12/17</a:t>
             </a:fld>
             <a:endParaRPr lang="zh-CN" altLang="en-US"/>
           </a:p>
@@ -687,7 +687,7 @@
           <a:p>
             <a:fld id="{6C36EB17-A7BE-49A5-AC40-166CA06C5194}" type="datetime1">
               <a:rPr lang="zh-CN" altLang="en-US" smtClean="0"/>
-              <a:t>2023/11/7</a:t>
+              <a:t>2023/12/17</a:t>
             </a:fld>
             <a:endParaRPr lang="zh-CN" altLang="en-US"/>
           </a:p>
@@ -857,7 +857,7 @@
           <a:p>
             <a:fld id="{EAFBE82B-C261-4EAB-B1B6-BEF8391AB4D4}" type="datetime1">
               <a:rPr lang="zh-CN" altLang="en-US" smtClean="0"/>
-              <a:t>2023/11/7</a:t>
+              <a:t>2023/12/17</a:t>
             </a:fld>
             <a:endParaRPr lang="zh-CN" altLang="en-US"/>
           </a:p>
@@ -1037,7 +1037,7 @@
           <a:p>
             <a:fld id="{0D20F52E-6D9D-4F69-B995-A6F121D31416}" type="datetime1">
               <a:rPr lang="zh-CN" altLang="en-US" smtClean="0"/>
-              <a:t>2023/11/7</a:t>
+              <a:t>2023/12/17</a:t>
             </a:fld>
             <a:endParaRPr lang="zh-CN" altLang="en-US"/>
           </a:p>
@@ -1207,7 +1207,7 @@
           <a:p>
             <a:fld id="{D46E48F9-4B3D-4990-AA9A-02E9572248D9}" type="datetime1">
               <a:rPr lang="zh-CN" altLang="en-US" smtClean="0"/>
-              <a:t>2023/11/7</a:t>
+              <a:t>2023/12/17</a:t>
             </a:fld>
             <a:endParaRPr lang="zh-CN" altLang="en-US"/>
           </a:p>
@@ -1451,7 +1451,7 @@
           <a:p>
             <a:fld id="{A0BBEB47-94BD-4EF5-AD07-512F33F593C6}" type="datetime1">
               <a:rPr lang="zh-CN" altLang="en-US" smtClean="0"/>
-              <a:t>2023/11/7</a:t>
+              <a:t>2023/12/17</a:t>
             </a:fld>
             <a:endParaRPr lang="zh-CN" altLang="en-US"/>
           </a:p>
@@ -1683,7 +1683,7 @@
           <a:p>
             <a:fld id="{459F825F-98C2-4A3A-B9E5-7DE0B1D848A7}" type="datetime1">
               <a:rPr lang="zh-CN" altLang="en-US" smtClean="0"/>
-              <a:t>2023/11/7</a:t>
+              <a:t>2023/12/17</a:t>
             </a:fld>
             <a:endParaRPr lang="zh-CN" altLang="en-US"/>
           </a:p>
@@ -2050,7 +2050,7 @@
           <a:p>
             <a:fld id="{12F45283-7206-4C08-9C4B-F530C1B43F19}" type="datetime1">
               <a:rPr lang="zh-CN" altLang="en-US" smtClean="0"/>
-              <a:t>2023/11/7</a:t>
+              <a:t>2023/12/17</a:t>
             </a:fld>
             <a:endParaRPr lang="zh-CN" altLang="en-US"/>
           </a:p>
@@ -2168,7 +2168,7 @@
           <a:p>
             <a:fld id="{CC9D5529-C5A2-4027-A443-E7E257440F36}" type="datetime1">
               <a:rPr lang="zh-CN" altLang="en-US" smtClean="0"/>
-              <a:t>2023/11/7</a:t>
+              <a:t>2023/12/17</a:t>
             </a:fld>
             <a:endParaRPr lang="zh-CN" altLang="en-US"/>
           </a:p>
@@ -2263,7 +2263,7 @@
           <a:p>
             <a:fld id="{67196B07-E3D9-4DF8-AF99-508B736F576B}" type="datetime1">
               <a:rPr lang="zh-CN" altLang="en-US" smtClean="0"/>
-              <a:t>2023/11/7</a:t>
+              <a:t>2023/12/17</a:t>
             </a:fld>
             <a:endParaRPr lang="zh-CN" altLang="en-US"/>
           </a:p>
@@ -2540,7 +2540,7 @@
           <a:p>
             <a:fld id="{45B57DFF-0A9F-4F19-A41A-80FFC707DBAB}" type="datetime1">
               <a:rPr lang="zh-CN" altLang="en-US" smtClean="0"/>
-              <a:t>2023/11/7</a:t>
+              <a:t>2023/12/17</a:t>
             </a:fld>
             <a:endParaRPr lang="zh-CN" altLang="en-US"/>
           </a:p>
@@ -2797,7 +2797,7 @@
           <a:p>
             <a:fld id="{DB044E8C-98E9-4AF2-9A32-CE50F9010F6A}" type="datetime1">
               <a:rPr lang="zh-CN" altLang="en-US" smtClean="0"/>
-              <a:t>2023/11/7</a:t>
+              <a:t>2023/12/17</a:t>
             </a:fld>
             <a:endParaRPr lang="zh-CN" altLang="en-US"/>
           </a:p>
@@ -3010,7 +3010,7 @@
           <a:p>
             <a:fld id="{54074037-0731-49FE-9FD9-DB1F93846734}" type="datetime1">
               <a:rPr lang="zh-CN" altLang="en-US" smtClean="0"/>
-              <a:t>2023/11/7</a:t>
+              <a:t>2023/12/17</a:t>
             </a:fld>
             <a:endParaRPr lang="zh-CN" altLang="en-US"/>
           </a:p>
